--- a/Exponential Smoothing PPT_Data624.pptx
+++ b/Exponential Smoothing PPT_Data624.pptx
@@ -204,7 +204,7 @@
           <a:p>
             <a:fld id="{E0B3EBFF-E2FF-4C1A-948A-2685FB58438F}" type="datetimeFigureOut">
               <a:rPr lang="en-US" smtClean="0"/>
-              <a:t>9/25/24</a:t>
+              <a:t>9/26/24</a:t>
             </a:fld>
             <a:endParaRPr lang="en-US"/>
           </a:p>
@@ -602,7 +602,7 @@
           <a:p>
             <a:fld id="{B5A82E67-A17F-4C9E-AEF4-EB4EA340F773}" type="datetime1">
               <a:rPr lang="en-US" smtClean="0"/>
-              <a:t>9/25/24</a:t>
+              <a:t>9/26/24</a:t>
             </a:fld>
             <a:endParaRPr lang="en-US"/>
           </a:p>
@@ -772,7 +772,7 @@
           <a:p>
             <a:fld id="{D8394D80-4C12-47A4-99A9-CC8F878F251D}" type="datetime1">
               <a:rPr lang="en-US" smtClean="0"/>
-              <a:t>9/25/24</a:t>
+              <a:t>9/26/24</a:t>
             </a:fld>
             <a:endParaRPr lang="en-US"/>
           </a:p>
@@ -952,7 +952,7 @@
           <a:p>
             <a:fld id="{0D9C1905-A597-4F05-81E5-8742E4BC14A0}" type="datetime1">
               <a:rPr lang="en-US" smtClean="0"/>
-              <a:t>9/25/24</a:t>
+              <a:t>9/26/24</a:t>
             </a:fld>
             <a:endParaRPr lang="en-US"/>
           </a:p>
@@ -1122,7 +1122,7 @@
           <a:p>
             <a:fld id="{673F5351-0DB1-4EAC-B5D1-83AAB8218895}" type="datetime1">
               <a:rPr lang="en-US" smtClean="0"/>
-              <a:t>9/25/24</a:t>
+              <a:t>9/26/24</a:t>
             </a:fld>
             <a:endParaRPr lang="en-US"/>
           </a:p>
@@ -1368,7 +1368,7 @@
           <a:p>
             <a:fld id="{EB8B4DE1-99AE-475D-A49C-63159C9B7DF6}" type="datetime1">
               <a:rPr lang="en-US" smtClean="0"/>
-              <a:t>9/25/24</a:t>
+              <a:t>9/26/24</a:t>
             </a:fld>
             <a:endParaRPr lang="en-US"/>
           </a:p>
@@ -1600,7 +1600,7 @@
           <a:p>
             <a:fld id="{41D45575-EBC8-411B-AFC4-76226F9EE252}" type="datetime1">
               <a:rPr lang="en-US" smtClean="0"/>
-              <a:t>9/25/24</a:t>
+              <a:t>9/26/24</a:t>
             </a:fld>
             <a:endParaRPr lang="en-US"/>
           </a:p>
@@ -1967,7 +1967,7 @@
           <a:p>
             <a:fld id="{5D5585F4-D295-47FF-893D-C136BEF865A9}" type="datetime1">
               <a:rPr lang="en-US" smtClean="0"/>
-              <a:t>9/25/24</a:t>
+              <a:t>9/26/24</a:t>
             </a:fld>
             <a:endParaRPr lang="en-US"/>
           </a:p>
@@ -2085,7 +2085,7 @@
           <a:p>
             <a:fld id="{5F519694-AE1B-4980-8758-D151638E21F5}" type="datetime1">
               <a:rPr lang="en-US" smtClean="0"/>
-              <a:t>9/25/24</a:t>
+              <a:t>9/26/24</a:t>
             </a:fld>
             <a:endParaRPr lang="en-US"/>
           </a:p>
@@ -2180,7 +2180,7 @@
           <a:p>
             <a:fld id="{8EA6DF1E-83CC-410B-8DBC-2B8683BF246F}" type="datetime1">
               <a:rPr lang="en-US" smtClean="0"/>
-              <a:t>9/25/24</a:t>
+              <a:t>9/26/24</a:t>
             </a:fld>
             <a:endParaRPr lang="en-US"/>
           </a:p>
@@ -2457,7 +2457,7 @@
           <a:p>
             <a:fld id="{55CB7925-BA7B-42D8-8A70-EC18C8762550}" type="datetime1">
               <a:rPr lang="en-US" smtClean="0"/>
-              <a:t>9/25/24</a:t>
+              <a:t>9/26/24</a:t>
             </a:fld>
             <a:endParaRPr lang="en-US"/>
           </a:p>
@@ -2714,7 +2714,7 @@
           <a:p>
             <a:fld id="{646902DB-C4CD-4A8E-94CD-F42B01ABE0DC}" type="datetime1">
               <a:rPr lang="en-US" smtClean="0"/>
-              <a:t>9/25/24</a:t>
+              <a:t>9/26/24</a:t>
             </a:fld>
             <a:endParaRPr lang="en-US"/>
           </a:p>
@@ -2927,7 +2927,7 @@
           <a:p>
             <a:fld id="{D364F998-F804-4552-A523-A3AB984AD7AA}" type="datetime1">
               <a:rPr lang="en-US" smtClean="0"/>
-              <a:t>9/25/24</a:t>
+              <a:t>9/26/24</a:t>
             </a:fld>
             <a:endParaRPr lang="en-US"/>
           </a:p>
@@ -4816,7 +4816,7 @@
                 <a:latin typeface="Calibri" panose="020F0502020204030204" pitchFamily="34" charset="0"/>
                 <a:ea typeface="Times New Roman" panose="02020603050405020304" pitchFamily="18" charset="0"/>
               </a:rPr>
-              <a:t>Limitations of Exponential Smoothening:</a:t>
+              <a:t>Limitations of Exponential Smoothing:</a:t>
             </a:r>
             <a:endParaRPr lang="en-US" sz="2000" dirty="0">
               <a:effectLst/>
